--- a/Actividad integradora armado de computadoras.pptx
+++ b/Actividad integradora armado de computadoras.pptx
@@ -871,7 +871,7 @@
         </p:nvSpPr>
         <p:spPr>
           <a:xfrm>
-            <a:off x="381300" y="685800"/>
+            <a:off x="381000" y="685800"/>
             <a:ext cx="6096000" cy="3429000"/>
           </a:xfrm>
           <a:custGeom>
@@ -975,7 +975,7 @@
         </p:nvSpPr>
         <p:spPr>
           <a:xfrm>
-            <a:off x="381300" y="685800"/>
+            <a:off x="381000" y="685800"/>
             <a:ext cx="6096000" cy="3429000"/>
           </a:xfrm>
           <a:custGeom>
@@ -1079,7 +1079,7 @@
         </p:nvSpPr>
         <p:spPr>
           <a:xfrm>
-            <a:off x="381300" y="685800"/>
+            <a:off x="381000" y="685800"/>
             <a:ext cx="6096000" cy="3429000"/>
           </a:xfrm>
           <a:custGeom>
@@ -1287,7 +1287,7 @@
         </p:nvSpPr>
         <p:spPr>
           <a:xfrm>
-            <a:off x="381300" y="685800"/>
+            <a:off x="381000" y="685800"/>
             <a:ext cx="6096000" cy="3429000"/>
           </a:xfrm>
           <a:custGeom>
@@ -1391,7 +1391,7 @@
         </p:nvSpPr>
         <p:spPr>
           <a:xfrm>
-            <a:off x="381300" y="685800"/>
+            <a:off x="381000" y="685800"/>
             <a:ext cx="6096000" cy="3429000"/>
           </a:xfrm>
           <a:custGeom>
@@ -1495,7 +1495,7 @@
         </p:nvSpPr>
         <p:spPr>
           <a:xfrm>
-            <a:off x="381300" y="685800"/>
+            <a:off x="381000" y="685800"/>
             <a:ext cx="6096000" cy="3429000"/>
           </a:xfrm>
           <a:custGeom>
@@ -1703,7 +1703,7 @@
         </p:nvSpPr>
         <p:spPr>
           <a:xfrm>
-            <a:off x="381300" y="685800"/>
+            <a:off x="381000" y="685800"/>
             <a:ext cx="6096000" cy="3429000"/>
           </a:xfrm>
           <a:custGeom>
@@ -1807,7 +1807,7 @@
         </p:nvSpPr>
         <p:spPr>
           <a:xfrm>
-            <a:off x="381300" y="685800"/>
+            <a:off x="381000" y="685800"/>
             <a:ext cx="6096000" cy="3429000"/>
           </a:xfrm>
           <a:custGeom>
@@ -2015,7 +2015,7 @@
         </p:nvSpPr>
         <p:spPr>
           <a:xfrm>
-            <a:off x="381300" y="685800"/>
+            <a:off x="381000" y="685800"/>
             <a:ext cx="6096000" cy="3429000"/>
           </a:xfrm>
           <a:custGeom>
@@ -11140,11 +11140,17 @@
         <p:nvGraphicFramePr>
           <p:cNvPr id="156" name="Google Shape;156;p38"/>
           <p:cNvGraphicFramePr/>
-          <p:nvPr/>
+          <p:nvPr>
+            <p:extLst>
+              <p:ext uri="{D42A27DB-BD31-4B8C-83A1-F6EECF244321}">
+                <p14:modId xmlns:p14="http://schemas.microsoft.com/office/powerpoint/2010/main" val="614706735"/>
+              </p:ext>
+            </p:extLst>
+          </p:nvPr>
         </p:nvGraphicFramePr>
         <p:xfrm>
           <a:off x="952500" y="1809750"/>
-          <a:ext cx="3000000" cy="3000000"/>
+          <a:ext cx="7239000" cy="2224920"/>
         </p:xfrm>
         <a:graphic>
           <a:graphicData uri="http://schemas.openxmlformats.org/drawingml/2006/table">
@@ -11250,7 +11256,7 @@
                   </a:ext>
                 </a:extLst>
               </a:tr>
-              <a:tr h="381000">
+              <a:tr h="491550">
                 <a:tc>
                   <a:txBody>
                     <a:bodyPr/>
@@ -11298,7 +11304,11 @@
                         </a:spcAft>
                         <a:buNone/>
                       </a:pPr>
-                      <a:endParaRPr/>
+                      <a:r>
+                        <a:rPr lang="en-US" dirty="0"/>
+                        <a:t>ASUS Z170-A | BLACK/WHITE | 4 MEMORY SLOTS | 64GB MAX</a:t>
+                      </a:r>
+                      <a:endParaRPr dirty="0"/>
                     </a:p>
                   </a:txBody>
                   <a:tcPr marL="91425" marR="91425" marT="91425" marB="91425"/>
@@ -11361,7 +11371,20 @@
                         </a:spcAft>
                         <a:buNone/>
                       </a:pPr>
-                      <a:endParaRPr/>
+                      <a:r>
+                        <a:rPr lang="en-US" sz="1400" b="0" i="0" u="none" strike="noStrike" cap="none" dirty="0">
+                          <a:solidFill>
+                            <a:srgbClr val="000000"/>
+                          </a:solidFill>
+                          <a:effectLst/>
+                          <a:latin typeface="Arial"/>
+                          <a:ea typeface="Arial"/>
+                          <a:cs typeface="Arial"/>
+                          <a:sym typeface="Arial"/>
+                        </a:rPr>
+                        <a:t>Team T-FORCE VULCAN Z 16 GB (2 x 8 GB) DDR4-3200 CL16 Memory</a:t>
+                      </a:r>
+                      <a:endParaRPr dirty="0"/>
                     </a:p>
                   </a:txBody>
                   <a:tcPr marL="91425" marR="91425" marT="91425" marB="91425">
@@ -11392,7 +11415,7 @@
                         <a:buNone/>
                       </a:pPr>
                       <a:r>
-                        <a:rPr lang="es">
+                        <a:rPr lang="es" dirty="0">
                           <a:latin typeface="Open Sans"/>
                           <a:ea typeface="Open Sans"/>
                           <a:cs typeface="Open Sans"/>
@@ -11400,7 +11423,7 @@
                         </a:rPr>
                         <a:t>Memoria secundaria</a:t>
                       </a:r>
-                      <a:endParaRPr>
+                      <a:endParaRPr dirty="0">
                         <a:latin typeface="Open Sans"/>
                         <a:ea typeface="Open Sans"/>
                         <a:cs typeface="Open Sans"/>
@@ -11424,7 +11447,20 @@
                         </a:spcAft>
                         <a:buNone/>
                       </a:pPr>
-                      <a:endParaRPr/>
+                      <a:r>
+                        <a:rPr lang="en-US" sz="1400" b="0" i="0" u="none" strike="noStrike" cap="none" dirty="0">
+                          <a:solidFill>
+                            <a:srgbClr val="000000"/>
+                          </a:solidFill>
+                          <a:effectLst/>
+                          <a:latin typeface="Arial"/>
+                          <a:ea typeface="Arial"/>
+                          <a:cs typeface="Arial"/>
+                          <a:sym typeface="Arial"/>
+                        </a:rPr>
+                        <a:t>Western Digital Caviar Blue 1 TB 3.5" 7200RPM Internal Hard Drive</a:t>
+                      </a:r>
+                      <a:endParaRPr dirty="0"/>
                     </a:p>
                   </a:txBody>
                   <a:tcPr marL="91425" marR="91425" marT="91425" marB="91425"/>
@@ -11578,11 +11614,17 @@
         <p:nvGraphicFramePr>
           <p:cNvPr id="163" name="Google Shape;163;p39"/>
           <p:cNvGraphicFramePr/>
-          <p:nvPr/>
+          <p:nvPr>
+            <p:extLst>
+              <p:ext uri="{D42A27DB-BD31-4B8C-83A1-F6EECF244321}">
+                <p14:modId xmlns:p14="http://schemas.microsoft.com/office/powerpoint/2010/main" val="4280740779"/>
+              </p:ext>
+            </p:extLst>
+          </p:nvPr>
         </p:nvGraphicFramePr>
         <p:xfrm>
           <a:off x="952500" y="1809750"/>
-          <a:ext cx="3000000" cy="3000000"/>
+          <a:ext cx="7239000" cy="2224920"/>
         </p:xfrm>
         <a:graphic>
           <a:graphicData uri="http://schemas.openxmlformats.org/drawingml/2006/table">
@@ -11660,7 +11702,7 @@
                         <a:buNone/>
                       </a:pPr>
                       <a:r>
-                        <a:rPr lang="es">
+                        <a:rPr lang="es" dirty="0">
                           <a:latin typeface="Open Sans"/>
                           <a:ea typeface="Open Sans"/>
                           <a:cs typeface="Open Sans"/>
@@ -11668,7 +11710,7 @@
                         </a:rPr>
                         <a:t>Ryzen 3 2200g</a:t>
                       </a:r>
-                      <a:endParaRPr>
+                      <a:endParaRPr dirty="0">
                         <a:latin typeface="Open Sans"/>
                         <a:ea typeface="Open Sans"/>
                         <a:cs typeface="Open Sans"/>
@@ -11727,6 +11769,40 @@
                     <a:bodyPr/>
                     <a:lstStyle/>
                     <a:p>
+                      <a:pPr marL="0" marR="0" lvl="0" indent="0" algn="l" defTabSz="914400" rtl="0" eaLnBrk="1" fontAlgn="auto" latinLnBrk="0" hangingPunct="1">
+                        <a:lnSpc>
+                          <a:spcPct val="100000"/>
+                        </a:lnSpc>
+                        <a:spcBef>
+                          <a:spcPts val="0"/>
+                        </a:spcBef>
+                        <a:spcAft>
+                          <a:spcPts val="0"/>
+                        </a:spcAft>
+                        <a:buClr>
+                          <a:srgbClr val="000000"/>
+                        </a:buClr>
+                        <a:buSzTx/>
+                        <a:buFont typeface="Arial"/>
+                        <a:buNone/>
+                        <a:tabLst/>
+                        <a:defRPr/>
+                      </a:pPr>
+                      <a:r>
+                        <a:rPr lang="en-US" sz="1400" b="0" i="0" u="none" strike="noStrike" cap="none" dirty="0">
+                          <a:solidFill>
+                            <a:srgbClr val="000000"/>
+                          </a:solidFill>
+                          <a:effectLst/>
+                          <a:latin typeface="Arial"/>
+                          <a:ea typeface="Arial"/>
+                          <a:cs typeface="Arial"/>
+                          <a:sym typeface="Arial"/>
+                        </a:rPr>
+                        <a:t>Asus PRIME B450M-A/CSM Micro ATX AM4 Motherboard</a:t>
+                      </a:r>
+                    </a:p>
+                    <a:p>
                       <a:pPr marL="0" lvl="0" indent="0" algn="l" rtl="0">
                         <a:spcBef>
                           <a:spcPts val="0"/>
@@ -11736,7 +11812,7 @@
                         </a:spcAft>
                         <a:buNone/>
                       </a:pPr>
-                      <a:endParaRPr>
+                      <a:endParaRPr dirty="0">
                         <a:latin typeface="Open Sans"/>
                         <a:ea typeface="Open Sans"/>
                         <a:cs typeface="Open Sans"/>
@@ -11804,7 +11880,20 @@
                         </a:spcAft>
                         <a:buNone/>
                       </a:pPr>
-                      <a:endParaRPr>
+                      <a:r>
+                        <a:rPr lang="en-US" sz="1400" b="0" i="0" u="none" strike="noStrike" cap="none" dirty="0">
+                          <a:solidFill>
+                            <a:srgbClr val="000000"/>
+                          </a:solidFill>
+                          <a:effectLst/>
+                          <a:latin typeface="Arial"/>
+                          <a:ea typeface="Arial"/>
+                          <a:cs typeface="Arial"/>
+                          <a:sym typeface="Arial"/>
+                        </a:rPr>
+                        <a:t>G.Skill Ripjaws V Series 16 GB (2 x 8 GB) DDR4-3200 CL16 Memory</a:t>
+                      </a:r>
+                      <a:endParaRPr dirty="0">
                         <a:latin typeface="Open Sans"/>
                         <a:ea typeface="Open Sans"/>
                         <a:cs typeface="Open Sans"/>
@@ -11872,7 +11961,20 @@
                         </a:spcAft>
                         <a:buNone/>
                       </a:pPr>
-                      <a:endParaRPr>
+                      <a:r>
+                        <a:rPr lang="en-US" sz="1400" b="0" i="0" u="none" strike="noStrike" cap="none" dirty="0">
+                          <a:solidFill>
+                            <a:srgbClr val="000000"/>
+                          </a:solidFill>
+                          <a:effectLst/>
+                          <a:latin typeface="Arial"/>
+                          <a:ea typeface="Arial"/>
+                          <a:cs typeface="Arial"/>
+                          <a:sym typeface="Arial"/>
+                        </a:rPr>
+                        <a:t>Western Digital Caviar Blue 1 TB 3.5" 7200RPM Internal Hard Drive</a:t>
+                      </a:r>
+                      <a:endParaRPr dirty="0">
                         <a:latin typeface="Open Sans"/>
                         <a:ea typeface="Open Sans"/>
                         <a:cs typeface="Open Sans"/>
@@ -12069,11 +12171,17 @@
         <p:nvGraphicFramePr>
           <p:cNvPr id="171" name="Google Shape;171;p40"/>
           <p:cNvGraphicFramePr/>
-          <p:nvPr/>
+          <p:nvPr>
+            <p:extLst>
+              <p:ext uri="{D42A27DB-BD31-4B8C-83A1-F6EECF244321}">
+                <p14:modId xmlns:p14="http://schemas.microsoft.com/office/powerpoint/2010/main" val="3216597576"/>
+              </p:ext>
+            </p:extLst>
+          </p:nvPr>
         </p:nvGraphicFramePr>
         <p:xfrm>
           <a:off x="952500" y="2114550"/>
-          <a:ext cx="3000000" cy="3000000"/>
+          <a:ext cx="7239000" cy="2011560"/>
         </p:xfrm>
         <a:graphic>
           <a:graphicData uri="http://schemas.openxmlformats.org/drawingml/2006/table">
@@ -12141,6 +12249,40 @@
                     <a:bodyPr/>
                     <a:lstStyle/>
                     <a:p>
+                      <a:pPr marL="0" marR="0" lvl="0" indent="0" algn="l" defTabSz="914400" rtl="0" eaLnBrk="1" fontAlgn="auto" latinLnBrk="0" hangingPunct="1">
+                        <a:lnSpc>
+                          <a:spcPct val="100000"/>
+                        </a:lnSpc>
+                        <a:spcBef>
+                          <a:spcPts val="0"/>
+                        </a:spcBef>
+                        <a:spcAft>
+                          <a:spcPts val="0"/>
+                        </a:spcAft>
+                        <a:buClr>
+                          <a:srgbClr val="000000"/>
+                        </a:buClr>
+                        <a:buSzTx/>
+                        <a:buFont typeface="Arial"/>
+                        <a:buNone/>
+                        <a:tabLst/>
+                        <a:defRPr/>
+                      </a:pPr>
+                      <a:r>
+                        <a:rPr lang="en-US" sz="1400" b="0" i="0" u="none" strike="noStrike" cap="none" dirty="0">
+                          <a:solidFill>
+                            <a:srgbClr val="000000"/>
+                          </a:solidFill>
+                          <a:effectLst/>
+                          <a:latin typeface="Arial"/>
+                          <a:ea typeface="Arial"/>
+                          <a:cs typeface="Arial"/>
+                          <a:sym typeface="Arial"/>
+                        </a:rPr>
+                        <a:t>Intel Core i3-10100F 3.6 GHz Quad-Core Processor</a:t>
+                      </a:r>
+                    </a:p>
+                    <a:p>
                       <a:pPr marL="0" lvl="0" indent="0" algn="l" rtl="0">
                         <a:spcBef>
                           <a:spcPts val="0"/>
@@ -12150,7 +12292,7 @@
                         </a:spcAft>
                         <a:buNone/>
                       </a:pPr>
-                      <a:endParaRPr>
+                      <a:endParaRPr b="0" dirty="0">
                         <a:latin typeface="Open Sans"/>
                         <a:ea typeface="Open Sans"/>
                         <a:cs typeface="Open Sans"/>
@@ -12218,7 +12360,20 @@
                         </a:spcAft>
                         <a:buNone/>
                       </a:pPr>
-                      <a:endParaRPr>
+                      <a:r>
+                        <a:rPr lang="en-US" sz="1400" b="0" i="0" u="none" strike="noStrike" cap="none" dirty="0">
+                          <a:solidFill>
+                            <a:srgbClr val="000000"/>
+                          </a:solidFill>
+                          <a:effectLst/>
+                          <a:latin typeface="Arial"/>
+                          <a:ea typeface="Arial"/>
+                          <a:cs typeface="Arial"/>
+                          <a:sym typeface="Arial"/>
+                        </a:rPr>
+                        <a:t>ASRock B460M Pro4 Micro ATX LGA1200 Motherboard</a:t>
+                      </a:r>
+                      <a:endParaRPr dirty="0">
                         <a:latin typeface="Open Sans"/>
                         <a:ea typeface="Open Sans"/>
                         <a:cs typeface="Open Sans"/>
@@ -12286,7 +12441,20 @@
                         </a:spcAft>
                         <a:buNone/>
                       </a:pPr>
-                      <a:endParaRPr>
+                      <a:r>
+                        <a:rPr lang="en-US" sz="1400" b="0" i="0" u="none" strike="noStrike" cap="none" dirty="0">
+                          <a:solidFill>
+                            <a:srgbClr val="000000"/>
+                          </a:solidFill>
+                          <a:effectLst/>
+                          <a:latin typeface="Arial"/>
+                          <a:ea typeface="Arial"/>
+                          <a:cs typeface="Arial"/>
+                          <a:sym typeface="Arial"/>
+                        </a:rPr>
+                        <a:t>G.Skill Aegis 16 GB (2 x 8 GB) DDR4-2133 CL15 Memory</a:t>
+                      </a:r>
+                      <a:endParaRPr dirty="0">
                         <a:latin typeface="Open Sans"/>
                         <a:ea typeface="Open Sans"/>
                         <a:cs typeface="Open Sans"/>
@@ -12354,7 +12522,20 @@
                         </a:spcAft>
                         <a:buNone/>
                       </a:pPr>
-                      <a:endParaRPr>
+                      <a:r>
+                        <a:rPr lang="en-US" sz="1400" b="0" i="0" u="none" strike="noStrike" cap="none" dirty="0">
+                          <a:solidFill>
+                            <a:srgbClr val="000000"/>
+                          </a:solidFill>
+                          <a:effectLst/>
+                          <a:latin typeface="Arial"/>
+                          <a:ea typeface="Arial"/>
+                          <a:cs typeface="Arial"/>
+                          <a:sym typeface="Arial"/>
+                        </a:rPr>
+                        <a:t>Western Digital Caviar Blue 1 TB 3.5" 7200RPM Internal Hard Drive</a:t>
+                      </a:r>
+                      <a:endParaRPr dirty="0">
                         <a:latin typeface="Open Sans"/>
                         <a:ea typeface="Open Sans"/>
                         <a:cs typeface="Open Sans"/>
@@ -12787,11 +12968,17 @@
         <p:nvGraphicFramePr>
           <p:cNvPr id="187" name="Google Shape;187;p42"/>
           <p:cNvGraphicFramePr/>
-          <p:nvPr/>
+          <p:nvPr>
+            <p:extLst>
+              <p:ext uri="{D42A27DB-BD31-4B8C-83A1-F6EECF244321}">
+                <p14:modId xmlns:p14="http://schemas.microsoft.com/office/powerpoint/2010/main" val="795894473"/>
+              </p:ext>
+            </p:extLst>
+          </p:nvPr>
         </p:nvGraphicFramePr>
         <p:xfrm>
           <a:off x="952500" y="1809750"/>
-          <a:ext cx="3000000" cy="3000000"/>
+          <a:ext cx="7239000" cy="2834490"/>
         </p:xfrm>
         <a:graphic>
           <a:graphicData uri="http://schemas.openxmlformats.org/drawingml/2006/table">
@@ -12868,7 +13055,20 @@
                         </a:spcAft>
                         <a:buNone/>
                       </a:pPr>
-                      <a:endParaRPr>
+                      <a:r>
+                        <a:rPr lang="en-US" sz="1400" b="0" i="0" u="none" strike="noStrike" cap="none" dirty="0">
+                          <a:solidFill>
+                            <a:srgbClr val="000000"/>
+                          </a:solidFill>
+                          <a:effectLst/>
+                          <a:latin typeface="Arial"/>
+                          <a:ea typeface="Arial"/>
+                          <a:cs typeface="Arial"/>
+                          <a:sym typeface="Arial"/>
+                        </a:rPr>
+                        <a:t>Intel Core i5-10400F 2.9 GHz 6-Core Processor</a:t>
+                      </a:r>
+                      <a:endParaRPr dirty="0">
                         <a:latin typeface="Open Sans"/>
                         <a:ea typeface="Open Sans"/>
                         <a:cs typeface="Open Sans"/>
@@ -12936,7 +13136,20 @@
                         </a:spcAft>
                         <a:buNone/>
                       </a:pPr>
-                      <a:endParaRPr>
+                      <a:r>
+                        <a:rPr lang="en-US" sz="1400" b="0" i="0" u="none" strike="noStrike" cap="none" dirty="0">
+                          <a:solidFill>
+                            <a:srgbClr val="000000"/>
+                          </a:solidFill>
+                          <a:effectLst/>
+                          <a:latin typeface="Arial"/>
+                          <a:ea typeface="Arial"/>
+                          <a:cs typeface="Arial"/>
+                          <a:sym typeface="Arial"/>
+                        </a:rPr>
+                        <a:t>MSI MPG Z490 GAMING EDGE WIFI ATX LGA1200 Motherboard</a:t>
+                      </a:r>
+                      <a:endParaRPr dirty="0">
                         <a:latin typeface="Open Sans"/>
                         <a:ea typeface="Open Sans"/>
                         <a:cs typeface="Open Sans"/>
@@ -13004,7 +13217,20 @@
                         </a:spcAft>
                         <a:buNone/>
                       </a:pPr>
-                      <a:endParaRPr>
+                      <a:r>
+                        <a:rPr lang="en-US" sz="1400" b="0" i="0" u="none" strike="noStrike" cap="none" dirty="0">
+                          <a:solidFill>
+                            <a:srgbClr val="000000"/>
+                          </a:solidFill>
+                          <a:effectLst/>
+                          <a:latin typeface="Arial"/>
+                          <a:ea typeface="Arial"/>
+                          <a:cs typeface="Arial"/>
+                          <a:sym typeface="Arial"/>
+                        </a:rPr>
+                        <a:t>G.Skill Ripjaws V Series 32 GB (2 x 16 GB) DDR4-3200 CL16 Memory</a:t>
+                      </a:r>
+                      <a:endParaRPr dirty="0">
                         <a:latin typeface="Open Sans"/>
                         <a:ea typeface="Open Sans"/>
                         <a:cs typeface="Open Sans"/>
@@ -13072,7 +13298,7 @@
                         </a:spcAft>
                         <a:buNone/>
                       </a:pPr>
-                      <a:endParaRPr>
+                      <a:endParaRPr dirty="0">
                         <a:latin typeface="Open Sans"/>
                         <a:ea typeface="Open Sans"/>
                         <a:cs typeface="Open Sans"/>
@@ -13089,7 +13315,20 @@
                         </a:spcAft>
                         <a:buNone/>
                       </a:pPr>
-                      <a:endParaRPr>
+                      <a:r>
+                        <a:rPr lang="en-US" sz="1400" b="0" i="0" u="none" strike="noStrike" cap="none" dirty="0">
+                          <a:solidFill>
+                            <a:srgbClr val="000000"/>
+                          </a:solidFill>
+                          <a:effectLst/>
+                          <a:latin typeface="Arial"/>
+                          <a:ea typeface="Arial"/>
+                          <a:cs typeface="Arial"/>
+                          <a:sym typeface="Arial"/>
+                        </a:rPr>
+                        <a:t>Western Digital Blue SN550 1 TB M.2-2280 NVME Solid State Drive</a:t>
+                      </a:r>
+                      <a:endParaRPr dirty="0">
                         <a:latin typeface="Open Sans"/>
                         <a:ea typeface="Open Sans"/>
                         <a:cs typeface="Open Sans"/>
@@ -13158,7 +13397,7 @@
                         <a:buNone/>
                       </a:pPr>
                       <a:r>
-                        <a:rPr lang="es">
+                        <a:rPr lang="es" dirty="0">
                           <a:latin typeface="Open Sans"/>
                           <a:ea typeface="Open Sans"/>
                           <a:cs typeface="Open Sans"/>
@@ -13166,7 +13405,7 @@
                         </a:rPr>
                         <a:t>GeForce GT 1030 2GD4 LP OC</a:t>
                       </a:r>
-                      <a:endParaRPr>
+                      <a:endParaRPr dirty="0">
                         <a:latin typeface="Open Sans"/>
                         <a:ea typeface="Open Sans"/>
                         <a:cs typeface="Open Sans"/>
@@ -13367,11 +13606,17 @@
         <p:nvGraphicFramePr>
           <p:cNvPr id="195" name="Google Shape;195;p43"/>
           <p:cNvGraphicFramePr/>
-          <p:nvPr/>
+          <p:nvPr>
+            <p:extLst>
+              <p:ext uri="{D42A27DB-BD31-4B8C-83A1-F6EECF244321}">
+                <p14:modId xmlns:p14="http://schemas.microsoft.com/office/powerpoint/2010/main" val="3090187623"/>
+              </p:ext>
+            </p:extLst>
+          </p:nvPr>
         </p:nvGraphicFramePr>
         <p:xfrm>
           <a:off x="952500" y="1809750"/>
-          <a:ext cx="3000000" cy="3000000"/>
+          <a:ext cx="7239000" cy="2194410"/>
         </p:xfrm>
         <a:graphic>
           <a:graphicData uri="http://schemas.openxmlformats.org/drawingml/2006/table">
@@ -13448,7 +13693,20 @@
                         </a:spcAft>
                         <a:buNone/>
                       </a:pPr>
-                      <a:endParaRPr>
+                      <a:r>
+                        <a:rPr lang="en-US" sz="1400" b="0" i="0" u="none" strike="noStrike" cap="none" dirty="0">
+                          <a:solidFill>
+                            <a:srgbClr val="000000"/>
+                          </a:solidFill>
+                          <a:effectLst/>
+                          <a:latin typeface="Arial"/>
+                          <a:ea typeface="Arial"/>
+                          <a:cs typeface="Arial"/>
+                          <a:sym typeface="Arial"/>
+                        </a:rPr>
+                        <a:t>AMD Ryzen 5 1600 (12nm) 3.2 GHz 6-Core Processor</a:t>
+                      </a:r>
+                      <a:endParaRPr dirty="0">
                         <a:latin typeface="Open Sans"/>
                         <a:ea typeface="Open Sans"/>
                         <a:cs typeface="Open Sans"/>
@@ -13517,7 +13775,7 @@
                         <a:buNone/>
                       </a:pPr>
                       <a:r>
-                        <a:rPr lang="es">
+                        <a:rPr lang="es" dirty="0">
                           <a:latin typeface="Open Sans"/>
                           <a:ea typeface="Open Sans"/>
                           <a:cs typeface="Open Sans"/>
@@ -13525,7 +13783,7 @@
                         </a:rPr>
                         <a:t> A320M Asrock</a:t>
                       </a:r>
-                      <a:endParaRPr>
+                      <a:endParaRPr dirty="0">
                         <a:latin typeface="Open Sans"/>
                         <a:ea typeface="Open Sans"/>
                         <a:cs typeface="Open Sans"/>
@@ -13593,7 +13851,20 @@
                         </a:spcAft>
                         <a:buNone/>
                       </a:pPr>
-                      <a:endParaRPr>
+                      <a:r>
+                        <a:rPr lang="en-US" sz="1400" b="0" i="0" u="none" strike="noStrike" cap="none" dirty="0">
+                          <a:solidFill>
+                            <a:srgbClr val="000000"/>
+                          </a:solidFill>
+                          <a:effectLst/>
+                          <a:latin typeface="Arial"/>
+                          <a:ea typeface="Arial"/>
+                          <a:cs typeface="Arial"/>
+                          <a:sym typeface="Arial"/>
+                        </a:rPr>
+                        <a:t>G.Skill Ripjaws V Series 32 GB (2 x 16 GB) DDR4-3200 CL16 Memory</a:t>
+                      </a:r>
+                      <a:endParaRPr dirty="0">
                         <a:latin typeface="Open Sans"/>
                         <a:ea typeface="Open Sans"/>
                         <a:cs typeface="Open Sans"/>
@@ -13661,7 +13932,20 @@
                         </a:spcAft>
                         <a:buNone/>
                       </a:pPr>
-                      <a:endParaRPr>
+                      <a:r>
+                        <a:rPr lang="en-US" sz="1400" b="0" i="0" u="none" strike="noStrike" cap="none" dirty="0">
+                          <a:solidFill>
+                            <a:srgbClr val="000000"/>
+                          </a:solidFill>
+                          <a:effectLst/>
+                          <a:latin typeface="Arial"/>
+                          <a:ea typeface="Arial"/>
+                          <a:cs typeface="Arial"/>
+                          <a:sym typeface="Arial"/>
+                        </a:rPr>
+                        <a:t>Crucial P1 1 TB M.2-2280 NVME Solid State Drive</a:t>
+                      </a:r>
+                      <a:endParaRPr dirty="0">
                         <a:latin typeface="Open Sans"/>
                         <a:ea typeface="Open Sans"/>
                         <a:cs typeface="Open Sans"/>
@@ -13729,7 +14013,20 @@
                         </a:spcAft>
                         <a:buNone/>
                       </a:pPr>
-                      <a:endParaRPr>
+                      <a:r>
+                        <a:rPr lang="en-US" sz="1400" b="0" i="0" u="none" strike="noStrike" cap="none" dirty="0">
+                          <a:solidFill>
+                            <a:srgbClr val="000000"/>
+                          </a:solidFill>
+                          <a:effectLst/>
+                          <a:latin typeface="Arial"/>
+                          <a:ea typeface="Arial"/>
+                          <a:cs typeface="Arial"/>
+                          <a:sym typeface="Arial"/>
+                        </a:rPr>
+                        <a:t>Asus GeForce GTX 1050 Ti 4 GB Phoenix Graphics Card</a:t>
+                      </a:r>
+                      <a:endParaRPr dirty="0">
                         <a:latin typeface="Open Sans"/>
                         <a:ea typeface="Open Sans"/>
                         <a:cs typeface="Open Sans"/>
@@ -13881,11 +14178,17 @@
         <p:nvGraphicFramePr>
           <p:cNvPr id="202" name="Google Shape;202;p44"/>
           <p:cNvGraphicFramePr/>
-          <p:nvPr/>
+          <p:nvPr>
+            <p:extLst>
+              <p:ext uri="{D42A27DB-BD31-4B8C-83A1-F6EECF244321}">
+                <p14:modId xmlns:p14="http://schemas.microsoft.com/office/powerpoint/2010/main" val="2375741108"/>
+              </p:ext>
+            </p:extLst>
+          </p:nvPr>
         </p:nvGraphicFramePr>
         <p:xfrm>
           <a:off x="952500" y="2114550"/>
-          <a:ext cx="3000000" cy="3000000"/>
+          <a:ext cx="7239000" cy="2407770"/>
         </p:xfrm>
         <a:graphic>
           <a:graphicData uri="http://schemas.openxmlformats.org/drawingml/2006/table">
@@ -13962,7 +14265,23 @@
                         </a:spcAft>
                         <a:buNone/>
                       </a:pPr>
-                      <a:endParaRPr/>
+                      <a:br>
+                        <a:rPr lang="en-US" dirty="0"/>
+                      </a:br>
+                      <a:r>
+                        <a:rPr lang="en-US" sz="1400" b="0" i="0" u="none" strike="noStrike" cap="none" dirty="0">
+                          <a:solidFill>
+                            <a:srgbClr val="000000"/>
+                          </a:solidFill>
+                          <a:effectLst/>
+                          <a:latin typeface="Arial"/>
+                          <a:ea typeface="Arial"/>
+                          <a:cs typeface="Arial"/>
+                          <a:sym typeface="Arial"/>
+                        </a:rPr>
+                        <a:t>AMD Ryzen 5 5600X 3.7 GHz 6-Core Processor</a:t>
+                      </a:r>
+                      <a:endParaRPr b="0" dirty="0"/>
                     </a:p>
                   </a:txBody>
                   <a:tcPr marL="91425" marR="91425" marT="91425" marB="91425">
@@ -14029,7 +14348,20 @@
                         </a:spcAft>
                         <a:buNone/>
                       </a:pPr>
-                      <a:endParaRPr/>
+                      <a:r>
+                        <a:rPr lang="en-US" sz="1400" b="0" i="0" u="none" strike="noStrike" cap="none" dirty="0">
+                          <a:solidFill>
+                            <a:srgbClr val="000000"/>
+                          </a:solidFill>
+                          <a:effectLst/>
+                          <a:latin typeface="Arial"/>
+                          <a:ea typeface="Arial"/>
+                          <a:cs typeface="Arial"/>
+                          <a:sym typeface="Arial"/>
+                        </a:rPr>
+                        <a:t>Asus ROG STRIX B450-F GAMING ATX AM4 Motherboard</a:t>
+                      </a:r>
+                      <a:endParaRPr dirty="0"/>
                     </a:p>
                   </a:txBody>
                   <a:tcPr marL="91425" marR="91425" marT="91425" marB="91425">
@@ -14096,7 +14428,20 @@
                         </a:spcAft>
                         <a:buNone/>
                       </a:pPr>
-                      <a:endParaRPr/>
+                      <a:r>
+                        <a:rPr lang="en-US" sz="1400" b="0" i="0" u="none" strike="noStrike" cap="none" dirty="0">
+                          <a:solidFill>
+                            <a:srgbClr val="000000"/>
+                          </a:solidFill>
+                          <a:effectLst/>
+                          <a:latin typeface="Arial"/>
+                          <a:ea typeface="Arial"/>
+                          <a:cs typeface="Arial"/>
+                          <a:sym typeface="Arial"/>
+                        </a:rPr>
+                        <a:t>G.Skill Ripjaws V Series 32 GB (2 x 16 GB) DDR4-3200 CL16 Memory</a:t>
+                      </a:r>
+                      <a:endParaRPr dirty="0"/>
                     </a:p>
                   </a:txBody>
                   <a:tcPr marL="91425" marR="91425" marT="91425" marB="91425">
@@ -14163,7 +14508,20 @@
                         </a:spcAft>
                         <a:buNone/>
                       </a:pPr>
-                      <a:endParaRPr/>
+                      <a:r>
+                        <a:rPr lang="en-US" sz="1400" b="0" i="0" u="none" strike="noStrike" cap="none" dirty="0">
+                          <a:solidFill>
+                            <a:srgbClr val="000000"/>
+                          </a:solidFill>
+                          <a:effectLst/>
+                          <a:latin typeface="Arial"/>
+                          <a:ea typeface="Arial"/>
+                          <a:cs typeface="Arial"/>
+                          <a:sym typeface="Arial"/>
+                        </a:rPr>
+                        <a:t>Western Digital Blue 500 GB M.2-2280 Solid State Drive</a:t>
+                      </a:r>
+                      <a:endParaRPr dirty="0"/>
                     </a:p>
                   </a:txBody>
                   <a:tcPr marL="91425" marR="91425" marT="91425" marB="91425">
@@ -14230,7 +14588,20 @@
                         </a:spcAft>
                         <a:buNone/>
                       </a:pPr>
-                      <a:endParaRPr/>
+                      <a:r>
+                        <a:rPr lang="en-US" sz="1400" b="0" i="0" u="none" strike="noStrike" cap="none" dirty="0">
+                          <a:solidFill>
+                            <a:srgbClr val="000000"/>
+                          </a:solidFill>
+                          <a:effectLst/>
+                          <a:latin typeface="Arial"/>
+                          <a:ea typeface="Arial"/>
+                          <a:cs typeface="Arial"/>
+                          <a:sym typeface="Arial"/>
+                        </a:rPr>
+                        <a:t>Asus GeForce GTX 1050 Ti 4 GB Phoenix Graphics Card</a:t>
+                      </a:r>
+                      <a:endParaRPr dirty="0"/>
                     </a:p>
                   </a:txBody>
                   <a:tcPr marL="91425" marR="91425" marT="91425" marB="91425">
@@ -14292,7 +14663,7 @@
               <a:buNone/>
             </a:pPr>
             <a:r>
-              <a:rPr lang="es" sz="1600">
+              <a:rPr lang="es" sz="1600" dirty="0">
                 <a:solidFill>
                   <a:srgbClr val="434343"/>
                 </a:solidFill>
@@ -14303,7 +14674,7 @@
               </a:rPr>
               <a:t>Esta computadora debe ser armada a libre criterio del estudiante.</a:t>
             </a:r>
-            <a:endParaRPr sz="1600">
+            <a:endParaRPr sz="1600" dirty="0">
               <a:solidFill>
                 <a:srgbClr val="434343"/>
               </a:solidFill>
@@ -14326,7 +14697,7 @@
               </a:spcAft>
               <a:buNone/>
             </a:pPr>
-            <a:endParaRPr sz="1600">
+            <a:endParaRPr sz="1600" dirty="0">
               <a:solidFill>
                 <a:srgbClr val="434343"/>
               </a:solidFill>
@@ -14656,7 +15027,7 @@
         </p:nvSpPr>
         <p:spPr>
           <a:xfrm>
-            <a:off x="1020650" y="1759275"/>
+            <a:off x="1015028" y="1474360"/>
             <a:ext cx="2994900" cy="400200"/>
           </a:xfrm>
           <a:prstGeom prst="rect">
@@ -14690,11 +15061,17 @@
         <p:nvGraphicFramePr>
           <p:cNvPr id="218" name="Google Shape;218;p46"/>
           <p:cNvGraphicFramePr/>
-          <p:nvPr/>
+          <p:nvPr>
+            <p:extLst>
+              <p:ext uri="{D42A27DB-BD31-4B8C-83A1-F6EECF244321}">
+                <p14:modId xmlns:p14="http://schemas.microsoft.com/office/powerpoint/2010/main" val="1230076651"/>
+              </p:ext>
+            </p:extLst>
+          </p:nvPr>
         </p:nvGraphicFramePr>
         <p:xfrm>
-          <a:off x="952500" y="1809750"/>
-          <a:ext cx="3000000" cy="3000000"/>
+          <a:off x="952500" y="1743096"/>
+          <a:ext cx="7239000" cy="2834490"/>
         </p:xfrm>
         <a:graphic>
           <a:graphicData uri="http://schemas.openxmlformats.org/drawingml/2006/table">
@@ -14719,7 +15096,7 @@
                   </a:extLst>
                 </a:gridCol>
               </a:tblGrid>
-              <a:tr h="381000">
+              <a:tr h="0">
                 <a:tc>
                   <a:txBody>
                     <a:bodyPr/>
@@ -14772,7 +15149,7 @@
                         <a:buNone/>
                       </a:pPr>
                       <a:r>
-                        <a:rPr lang="es">
+                        <a:rPr lang="es" dirty="0">
                           <a:latin typeface="Open Sans"/>
                           <a:ea typeface="Open Sans"/>
                           <a:cs typeface="Open Sans"/>
@@ -14780,7 +15157,7 @@
                         </a:rPr>
                         <a:t>Core i7-10700</a:t>
                       </a:r>
-                      <a:endParaRPr>
+                      <a:endParaRPr dirty="0">
                         <a:latin typeface="Open Sans"/>
                         <a:ea typeface="Open Sans"/>
                         <a:cs typeface="Open Sans"/>
@@ -14852,7 +15229,20 @@
                         </a:spcAft>
                         <a:buNone/>
                       </a:pPr>
-                      <a:endParaRPr>
+                      <a:r>
+                        <a:rPr lang="en-US" sz="1400" b="0" i="0" u="none" strike="noStrike" cap="none" dirty="0">
+                          <a:solidFill>
+                            <a:srgbClr val="000000"/>
+                          </a:solidFill>
+                          <a:effectLst/>
+                          <a:latin typeface="Arial"/>
+                          <a:ea typeface="Arial"/>
+                          <a:cs typeface="Arial"/>
+                          <a:sym typeface="Arial"/>
+                        </a:rPr>
+                        <a:t>Asus PRIME Z490-A ATX LGA1200 Motherboard</a:t>
+                      </a:r>
+                      <a:endParaRPr dirty="0">
                         <a:latin typeface="Open Sans"/>
                         <a:ea typeface="Open Sans"/>
                         <a:cs typeface="Open Sans"/>
@@ -14924,7 +15314,20 @@
                         </a:spcAft>
                         <a:buNone/>
                       </a:pPr>
-                      <a:endParaRPr>
+                      <a:r>
+                        <a:rPr lang="en-US" sz="1400" b="0" i="0" u="none" strike="noStrike" cap="none" dirty="0">
+                          <a:solidFill>
+                            <a:srgbClr val="000000"/>
+                          </a:solidFill>
+                          <a:effectLst/>
+                          <a:latin typeface="Arial"/>
+                          <a:ea typeface="Arial"/>
+                          <a:cs typeface="Arial"/>
+                          <a:sym typeface="Arial"/>
+                        </a:rPr>
+                        <a:t>Corsair Dominator Platinum 64 GB (4 x 16 GB) DDR4-2400 CL15 Memory</a:t>
+                      </a:r>
+                      <a:endParaRPr dirty="0">
                         <a:latin typeface="Open Sans"/>
                         <a:ea typeface="Open Sans"/>
                         <a:cs typeface="Open Sans"/>
@@ -14996,7 +15399,20 @@
                         </a:spcAft>
                         <a:buNone/>
                       </a:pPr>
-                      <a:endParaRPr>
+                      <a:r>
+                        <a:rPr lang="en-US" sz="1400" b="0" i="0" u="none" strike="noStrike" cap="none" dirty="0">
+                          <a:solidFill>
+                            <a:srgbClr val="000000"/>
+                          </a:solidFill>
+                          <a:effectLst/>
+                          <a:latin typeface="Arial"/>
+                          <a:ea typeface="Arial"/>
+                          <a:cs typeface="Arial"/>
+                          <a:sym typeface="Arial"/>
+                        </a:rPr>
+                        <a:t>Samsung 970 EVO Plus 2 TB M.2-2280 NVME Solid State Drive</a:t>
+                      </a:r>
+                      <a:endParaRPr dirty="0">
                         <a:latin typeface="Open Sans"/>
                         <a:ea typeface="Open Sans"/>
                         <a:cs typeface="Open Sans"/>
@@ -15013,7 +15429,7 @@
                         </a:spcAft>
                         <a:buNone/>
                       </a:pPr>
-                      <a:endParaRPr>
+                      <a:endParaRPr dirty="0">
                         <a:latin typeface="Open Sans"/>
                         <a:ea typeface="Open Sans"/>
                         <a:cs typeface="Open Sans"/>
@@ -15085,7 +15501,20 @@
                         </a:spcAft>
                         <a:buNone/>
                       </a:pPr>
-                      <a:endParaRPr>
+                      <a:r>
+                        <a:rPr lang="en-US" sz="1400" b="0" i="0" u="none" strike="noStrike" cap="none" dirty="0">
+                          <a:solidFill>
+                            <a:srgbClr val="000000"/>
+                          </a:solidFill>
+                          <a:effectLst/>
+                          <a:latin typeface="Arial"/>
+                          <a:ea typeface="Arial"/>
+                          <a:cs typeface="Arial"/>
+                          <a:sym typeface="Arial"/>
+                        </a:rPr>
+                        <a:t>Gigabyte GeForce GTX 1660 SUPER 6 GB GAMING OC Graphics Card</a:t>
+                      </a:r>
+                      <a:endParaRPr dirty="0">
                         <a:latin typeface="Open Sans"/>
                         <a:ea typeface="Open Sans"/>
                         <a:cs typeface="Open Sans"/>
@@ -15286,11 +15715,17 @@
         <p:nvGraphicFramePr>
           <p:cNvPr id="226" name="Google Shape;226;p47"/>
           <p:cNvGraphicFramePr/>
-          <p:nvPr/>
+          <p:nvPr>
+            <p:extLst>
+              <p:ext uri="{D42A27DB-BD31-4B8C-83A1-F6EECF244321}">
+                <p14:modId xmlns:p14="http://schemas.microsoft.com/office/powerpoint/2010/main" val="3416788986"/>
+              </p:ext>
+            </p:extLst>
+          </p:nvPr>
         </p:nvGraphicFramePr>
         <p:xfrm>
           <a:off x="952500" y="1809750"/>
-          <a:ext cx="3000000" cy="3000000"/>
+          <a:ext cx="7239000" cy="2194410"/>
         </p:xfrm>
         <a:graphic>
           <a:graphicData uri="http://schemas.openxmlformats.org/drawingml/2006/table">
@@ -15368,7 +15803,7 @@
                         <a:buNone/>
                       </a:pPr>
                       <a:r>
-                        <a:rPr lang="es">
+                        <a:rPr lang="es" dirty="0">
                           <a:latin typeface="Open Sans"/>
                           <a:ea typeface="Open Sans"/>
                           <a:cs typeface="Open Sans"/>
@@ -15376,7 +15811,7 @@
                         </a:rPr>
                         <a:t>Amd Ryzen 7 3800xt</a:t>
                       </a:r>
-                      <a:endParaRPr>
+                      <a:endParaRPr dirty="0">
                         <a:latin typeface="Open Sans"/>
                         <a:ea typeface="Open Sans"/>
                         <a:cs typeface="Open Sans"/>
@@ -15448,7 +15883,20 @@
                         </a:spcAft>
                         <a:buNone/>
                       </a:pPr>
-                      <a:endParaRPr/>
+                      <a:r>
+                        <a:rPr lang="en-US" sz="1400" b="0" i="0" u="none" strike="noStrike" cap="none" dirty="0">
+                          <a:solidFill>
+                            <a:srgbClr val="000000"/>
+                          </a:solidFill>
+                          <a:effectLst/>
+                          <a:latin typeface="Arial"/>
+                          <a:ea typeface="Arial"/>
+                          <a:cs typeface="Arial"/>
+                          <a:sym typeface="Arial"/>
+                        </a:rPr>
+                        <a:t>Asus PRIME X570-PRO ATX AM4 Motherboard</a:t>
+                      </a:r>
+                      <a:endParaRPr dirty="0"/>
                     </a:p>
                   </a:txBody>
                   <a:tcPr marL="91425" marR="91425" marT="91425" marB="91425">
@@ -15515,7 +15963,20 @@
                         </a:spcAft>
                         <a:buNone/>
                       </a:pPr>
-                      <a:endParaRPr/>
+                      <a:r>
+                        <a:rPr lang="en-US" sz="1400" b="0" i="0" u="none" strike="noStrike" cap="none" dirty="0">
+                          <a:solidFill>
+                            <a:srgbClr val="000000"/>
+                          </a:solidFill>
+                          <a:effectLst/>
+                          <a:latin typeface="Arial"/>
+                          <a:ea typeface="Arial"/>
+                          <a:cs typeface="Arial"/>
+                          <a:sym typeface="Arial"/>
+                        </a:rPr>
+                        <a:t>Corsair Vengeance RGB Pro 32 GB (2 x 16 GB) DDR4-3200 CL16 Memory</a:t>
+                      </a:r>
+                      <a:endParaRPr dirty="0"/>
                     </a:p>
                   </a:txBody>
                   <a:tcPr marL="91425" marR="91425" marT="91425" marB="91425">
@@ -15582,7 +16043,20 @@
                         </a:spcAft>
                         <a:buNone/>
                       </a:pPr>
-                      <a:endParaRPr/>
+                      <a:r>
+                        <a:rPr lang="en-US" sz="1400" b="0" i="0" u="none" strike="noStrike" cap="none" dirty="0">
+                          <a:solidFill>
+                            <a:srgbClr val="000000"/>
+                          </a:solidFill>
+                          <a:effectLst/>
+                          <a:latin typeface="Arial"/>
+                          <a:ea typeface="Arial"/>
+                          <a:cs typeface="Arial"/>
+                          <a:sym typeface="Arial"/>
+                        </a:rPr>
+                        <a:t>Samsung 860 Evo 1 TB 2.5" Solid State Drive</a:t>
+                      </a:r>
+                      <a:endParaRPr dirty="0"/>
                     </a:p>
                   </a:txBody>
                   <a:tcPr marL="91425" marR="91425" marT="91425" marB="91425">
@@ -15649,7 +16123,20 @@
                         </a:spcAft>
                         <a:buNone/>
                       </a:pPr>
-                      <a:endParaRPr/>
+                      <a:r>
+                        <a:rPr lang="en-US" sz="1400" b="0" i="0" u="none" strike="noStrike" cap="none" dirty="0">
+                          <a:solidFill>
+                            <a:srgbClr val="000000"/>
+                          </a:solidFill>
+                          <a:effectLst/>
+                          <a:latin typeface="Arial"/>
+                          <a:ea typeface="Arial"/>
+                          <a:cs typeface="Arial"/>
+                          <a:sym typeface="Arial"/>
+                        </a:rPr>
+                        <a:t>MSI GeForce RTX 3080 10 GB SUPRIM X Graphics Card</a:t>
+                      </a:r>
+                      <a:endParaRPr dirty="0"/>
                     </a:p>
                   </a:txBody>
                   <a:tcPr marL="91425" marR="91425" marT="91425" marB="91425">
@@ -16191,11 +16678,17 @@
         <p:nvGraphicFramePr>
           <p:cNvPr id="234" name="Google Shape;234;p48"/>
           <p:cNvGraphicFramePr/>
-          <p:nvPr/>
+          <p:nvPr>
+            <p:extLst>
+              <p:ext uri="{D42A27DB-BD31-4B8C-83A1-F6EECF244321}">
+                <p14:modId xmlns:p14="http://schemas.microsoft.com/office/powerpoint/2010/main" val="1248572448"/>
+              </p:ext>
+            </p:extLst>
+          </p:nvPr>
         </p:nvGraphicFramePr>
         <p:xfrm>
           <a:off x="952500" y="2114550"/>
-          <a:ext cx="3000000" cy="3000000"/>
+          <a:ext cx="7239000" cy="2621130"/>
         </p:xfrm>
         <a:graphic>
           <a:graphicData uri="http://schemas.openxmlformats.org/drawingml/2006/table">
@@ -16236,7 +16729,7 @@
                         <a:buNone/>
                       </a:pPr>
                       <a:r>
-                        <a:rPr lang="es">
+                        <a:rPr lang="es" b="0">
                           <a:latin typeface="Open Sans"/>
                           <a:ea typeface="Open Sans"/>
                           <a:cs typeface="Open Sans"/>
@@ -16244,7 +16737,7 @@
                         </a:rPr>
                         <a:t>Procesador</a:t>
                       </a:r>
-                      <a:endParaRPr>
+                      <a:endParaRPr b="0">
                         <a:latin typeface="Open Sans"/>
                         <a:ea typeface="Open Sans"/>
                         <a:cs typeface="Open Sans"/>
@@ -16263,6 +16756,40 @@
                     <a:bodyPr/>
                     <a:lstStyle/>
                     <a:p>
+                      <a:pPr marL="0" marR="0" lvl="0" indent="0" algn="l" defTabSz="914400" rtl="0" eaLnBrk="1" fontAlgn="auto" latinLnBrk="0" hangingPunct="1">
+                        <a:lnSpc>
+                          <a:spcPct val="100000"/>
+                        </a:lnSpc>
+                        <a:spcBef>
+                          <a:spcPts val="0"/>
+                        </a:spcBef>
+                        <a:spcAft>
+                          <a:spcPts val="0"/>
+                        </a:spcAft>
+                        <a:buClr>
+                          <a:srgbClr val="000000"/>
+                        </a:buClr>
+                        <a:buSzTx/>
+                        <a:buFont typeface="Arial"/>
+                        <a:buNone/>
+                        <a:tabLst/>
+                        <a:defRPr/>
+                      </a:pPr>
+                      <a:r>
+                        <a:rPr lang="en-US" sz="1400" b="0" i="0" u="none" strike="noStrike" cap="none" dirty="0">
+                          <a:solidFill>
+                            <a:srgbClr val="000000"/>
+                          </a:solidFill>
+                          <a:effectLst/>
+                          <a:latin typeface="Arial"/>
+                          <a:ea typeface="Arial"/>
+                          <a:cs typeface="Arial"/>
+                          <a:sym typeface="Arial"/>
+                        </a:rPr>
+                        <a:t>AMD Ryzen 9 3950X 3.5 GHz 16-Core Processor</a:t>
+                      </a:r>
+                    </a:p>
+                    <a:p>
                       <a:pPr marL="0" lvl="0" indent="0" algn="l" rtl="0">
                         <a:spcBef>
                           <a:spcPts val="0"/>
@@ -16272,7 +16799,7 @@
                         </a:spcAft>
                         <a:buNone/>
                       </a:pPr>
-                      <a:endParaRPr>
+                      <a:endParaRPr b="0" dirty="0">
                         <a:latin typeface="Open Sans"/>
                         <a:ea typeface="Open Sans"/>
                         <a:cs typeface="Open Sans"/>
@@ -16344,7 +16871,20 @@
                         </a:spcAft>
                         <a:buNone/>
                       </a:pPr>
-                      <a:endParaRPr>
+                      <a:r>
+                        <a:rPr lang="en-US" sz="1400" b="0" i="0" u="none" strike="noStrike" cap="none" dirty="0">
+                          <a:solidFill>
+                            <a:srgbClr val="000000"/>
+                          </a:solidFill>
+                          <a:effectLst/>
+                          <a:latin typeface="Arial"/>
+                          <a:ea typeface="Arial"/>
+                          <a:cs typeface="Arial"/>
+                          <a:sym typeface="Arial"/>
+                        </a:rPr>
+                        <a:t>Asus ROG Strix X570-E Gaming ATX AM4 Motherboard</a:t>
+                      </a:r>
+                      <a:endParaRPr dirty="0">
                         <a:latin typeface="Open Sans"/>
                         <a:ea typeface="Open Sans"/>
                         <a:cs typeface="Open Sans"/>
@@ -16416,7 +16956,20 @@
                         </a:spcAft>
                         <a:buNone/>
                       </a:pPr>
-                      <a:endParaRPr>
+                      <a:r>
+                        <a:rPr lang="en-US" sz="1400" b="0" i="0" u="none" strike="noStrike" cap="none" dirty="0">
+                          <a:solidFill>
+                            <a:srgbClr val="000000"/>
+                          </a:solidFill>
+                          <a:effectLst/>
+                          <a:latin typeface="Arial"/>
+                          <a:ea typeface="Arial"/>
+                          <a:cs typeface="Arial"/>
+                          <a:sym typeface="Arial"/>
+                        </a:rPr>
+                        <a:t>G.Skill Trident Z Royal 128 GB (4 x 32 GB) DDR4-4000 CL18 Memory</a:t>
+                      </a:r>
+                      <a:endParaRPr dirty="0">
                         <a:latin typeface="Open Sans"/>
                         <a:ea typeface="Open Sans"/>
                         <a:cs typeface="Open Sans"/>
@@ -16488,7 +17041,20 @@
                         </a:spcAft>
                         <a:buNone/>
                       </a:pPr>
-                      <a:endParaRPr>
+                      <a:r>
+                        <a:rPr lang="en-US" sz="1400" b="0" i="0" u="none" strike="noStrike" cap="none" dirty="0">
+                          <a:solidFill>
+                            <a:srgbClr val="000000"/>
+                          </a:solidFill>
+                          <a:effectLst/>
+                          <a:latin typeface="Arial"/>
+                          <a:ea typeface="Arial"/>
+                          <a:cs typeface="Arial"/>
+                          <a:sym typeface="Arial"/>
+                        </a:rPr>
+                        <a:t>Samsung 860 Evo 2 TB 2.5" Solid State Drive</a:t>
+                      </a:r>
+                      <a:endParaRPr dirty="0">
                         <a:latin typeface="Open Sans"/>
                         <a:ea typeface="Open Sans"/>
                         <a:cs typeface="Open Sans"/>
@@ -16560,7 +17126,20 @@
                         </a:spcAft>
                         <a:buNone/>
                       </a:pPr>
-                      <a:endParaRPr>
+                      <a:r>
+                        <a:rPr lang="en-US" sz="1400" b="0" i="0" u="none" strike="noStrike" cap="none" dirty="0">
+                          <a:solidFill>
+                            <a:srgbClr val="000000"/>
+                          </a:solidFill>
+                          <a:effectLst/>
+                          <a:latin typeface="Arial"/>
+                          <a:ea typeface="Arial"/>
+                          <a:cs typeface="Arial"/>
+                          <a:sym typeface="Arial"/>
+                        </a:rPr>
+                        <a:t>Asus Radeon RX 6900 XT 16 GB STRIX LC GAMING OC Graphics Card</a:t>
+                      </a:r>
+                      <a:endParaRPr dirty="0">
                         <a:latin typeface="Open Sans"/>
                         <a:ea typeface="Open Sans"/>
                         <a:cs typeface="Open Sans"/>
@@ -16627,7 +17206,7 @@
               <a:buNone/>
             </a:pPr>
             <a:r>
-              <a:rPr lang="es" sz="1600">
+              <a:rPr lang="es" sz="1600" dirty="0">
                 <a:solidFill>
                   <a:srgbClr val="434343"/>
                 </a:solidFill>
@@ -16638,7 +17217,7 @@
               </a:rPr>
               <a:t>Esta computadora debe ser armada a libre criterio del estudiante.</a:t>
             </a:r>
-            <a:endParaRPr sz="1600">
+            <a:endParaRPr sz="1600" dirty="0">
               <a:solidFill>
                 <a:srgbClr val="434343"/>
               </a:solidFill>
@@ -16661,7 +17240,7 @@
               </a:spcAft>
               <a:buNone/>
             </a:pPr>
-            <a:endParaRPr sz="1600">
+            <a:endParaRPr sz="1600" dirty="0">
               <a:solidFill>
                 <a:srgbClr val="434343"/>
               </a:solidFill>
